--- a/TerminaleEnsSci/IntelligenceArtificielle/TP2-IntelligenceArtificielle/caractéristique.pptx
+++ b/TerminaleEnsSci/IntelligenceArtificielle/TP2-IntelligenceArtificielle/caractéristique.pptx
@@ -11,6 +11,7 @@
     <p:sldId id="258" r:id="rId5"/>
     <p:sldId id="259" r:id="rId6"/>
     <p:sldId id="261" r:id="rId7"/>
+    <p:sldId id="262" r:id="rId8"/>
   </p:sldIdLst>
   <p:sldSz cx="12192000" cy="8999538"/>
   <p:notesSz cx="6858000" cy="9144000"/>
@@ -248,7 +249,7 @@
           <a:p>
             <a:fld id="{7E9DB296-EB58-43FB-9985-147B1FC3681F}" type="datetimeFigureOut">
               <a:rPr lang="fr-FR" smtClean="0"/>
-              <a:t>15/04/2021</a:t>
+              <a:t>16/04/2021</a:t>
             </a:fld>
             <a:endParaRPr lang="fr-FR"/>
           </a:p>
@@ -418,7 +419,7 @@
           <a:p>
             <a:fld id="{7E9DB296-EB58-43FB-9985-147B1FC3681F}" type="datetimeFigureOut">
               <a:rPr lang="fr-FR" smtClean="0"/>
-              <a:t>15/04/2021</a:t>
+              <a:t>16/04/2021</a:t>
             </a:fld>
             <a:endParaRPr lang="fr-FR"/>
           </a:p>
@@ -598,7 +599,7 @@
           <a:p>
             <a:fld id="{7E9DB296-EB58-43FB-9985-147B1FC3681F}" type="datetimeFigureOut">
               <a:rPr lang="fr-FR" smtClean="0"/>
-              <a:t>15/04/2021</a:t>
+              <a:t>16/04/2021</a:t>
             </a:fld>
             <a:endParaRPr lang="fr-FR"/>
           </a:p>
@@ -768,7 +769,7 @@
           <a:p>
             <a:fld id="{7E9DB296-EB58-43FB-9985-147B1FC3681F}" type="datetimeFigureOut">
               <a:rPr lang="fr-FR" smtClean="0"/>
-              <a:t>15/04/2021</a:t>
+              <a:t>16/04/2021</a:t>
             </a:fld>
             <a:endParaRPr lang="fr-FR"/>
           </a:p>
@@ -1012,7 +1013,7 @@
           <a:p>
             <a:fld id="{7E9DB296-EB58-43FB-9985-147B1FC3681F}" type="datetimeFigureOut">
               <a:rPr lang="fr-FR" smtClean="0"/>
-              <a:t>15/04/2021</a:t>
+              <a:t>16/04/2021</a:t>
             </a:fld>
             <a:endParaRPr lang="fr-FR"/>
           </a:p>
@@ -1244,7 +1245,7 @@
           <a:p>
             <a:fld id="{7E9DB296-EB58-43FB-9985-147B1FC3681F}" type="datetimeFigureOut">
               <a:rPr lang="fr-FR" smtClean="0"/>
-              <a:t>15/04/2021</a:t>
+              <a:t>16/04/2021</a:t>
             </a:fld>
             <a:endParaRPr lang="fr-FR"/>
           </a:p>
@@ -1611,7 +1612,7 @@
           <a:p>
             <a:fld id="{7E9DB296-EB58-43FB-9985-147B1FC3681F}" type="datetimeFigureOut">
               <a:rPr lang="fr-FR" smtClean="0"/>
-              <a:t>15/04/2021</a:t>
+              <a:t>16/04/2021</a:t>
             </a:fld>
             <a:endParaRPr lang="fr-FR"/>
           </a:p>
@@ -1729,7 +1730,7 @@
           <a:p>
             <a:fld id="{7E9DB296-EB58-43FB-9985-147B1FC3681F}" type="datetimeFigureOut">
               <a:rPr lang="fr-FR" smtClean="0"/>
-              <a:t>15/04/2021</a:t>
+              <a:t>16/04/2021</a:t>
             </a:fld>
             <a:endParaRPr lang="fr-FR"/>
           </a:p>
@@ -1824,7 +1825,7 @@
           <a:p>
             <a:fld id="{7E9DB296-EB58-43FB-9985-147B1FC3681F}" type="datetimeFigureOut">
               <a:rPr lang="fr-FR" smtClean="0"/>
-              <a:t>15/04/2021</a:t>
+              <a:t>16/04/2021</a:t>
             </a:fld>
             <a:endParaRPr lang="fr-FR"/>
           </a:p>
@@ -2101,7 +2102,7 @@
           <a:p>
             <a:fld id="{7E9DB296-EB58-43FB-9985-147B1FC3681F}" type="datetimeFigureOut">
               <a:rPr lang="fr-FR" smtClean="0"/>
-              <a:t>15/04/2021</a:t>
+              <a:t>16/04/2021</a:t>
             </a:fld>
             <a:endParaRPr lang="fr-FR"/>
           </a:p>
@@ -2358,7 +2359,7 @@
           <a:p>
             <a:fld id="{7E9DB296-EB58-43FB-9985-147B1FC3681F}" type="datetimeFigureOut">
               <a:rPr lang="fr-FR" smtClean="0"/>
-              <a:t>15/04/2021</a:t>
+              <a:t>16/04/2021</a:t>
             </a:fld>
             <a:endParaRPr lang="fr-FR"/>
           </a:p>
@@ -2571,7 +2572,7 @@
           <a:p>
             <a:fld id="{7E9DB296-EB58-43FB-9985-147B1FC3681F}" type="datetimeFigureOut">
               <a:rPr lang="fr-FR" smtClean="0"/>
-              <a:t>15/04/2021</a:t>
+              <a:t>16/04/2021</a:t>
             </a:fld>
             <a:endParaRPr lang="fr-FR"/>
           </a:p>
@@ -10889,8 +10890,8 @@
         </p:nvSpPr>
         <p:spPr>
           <a:xfrm>
-            <a:off x="6007101" y="931102"/>
-            <a:ext cx="2916766" cy="276999"/>
+            <a:off x="6007101" y="866846"/>
+            <a:ext cx="1802369" cy="461665"/>
           </a:xfrm>
           <a:prstGeom prst="rect">
             <a:avLst/>
@@ -10905,7 +10906,7 @@
           <a:p>
             <a:r>
               <a:rPr lang="fr-FR" sz="1200" dirty="0"/>
-              <a:t>Ici, on ne représente que les chiffres 0 et 1</a:t>
+              <a:t>Seuls les 0 et les 1 sont affichés dans le graphe</a:t>
             </a:r>
           </a:p>
         </p:txBody>
@@ -10914,6 +10915,65 @@
     <p:extLst>
       <p:ext uri="{BB962C8B-B14F-4D97-AF65-F5344CB8AC3E}">
         <p14:creationId xmlns:p14="http://schemas.microsoft.com/office/powerpoint/2010/main" val="1251673927"/>
+      </p:ext>
+    </p:extLst>
+  </p:cSld>
+  <p:clrMapOvr>
+    <a:masterClrMapping/>
+  </p:clrMapOvr>
+</p:sld>
+</file>
+
+<file path=ppt/slides/slide7.xml><?xml version="1.0" encoding="utf-8"?>
+<p:sld xmlns:a="http://schemas.openxmlformats.org/drawingml/2006/main" xmlns:r="http://schemas.openxmlformats.org/officeDocument/2006/relationships" xmlns:p="http://schemas.openxmlformats.org/presentationml/2006/main">
+  <p:cSld>
+    <p:spTree>
+      <p:nvGrpSpPr>
+        <p:cNvPr id="1" name=""/>
+        <p:cNvGrpSpPr/>
+        <p:nvPr/>
+      </p:nvGrpSpPr>
+      <p:grpSpPr>
+        <a:xfrm>
+          <a:off x="0" y="0"/>
+          <a:ext cx="0" cy="0"/>
+          <a:chOff x="0" y="0"/>
+          <a:chExt cx="0" cy="0"/>
+        </a:xfrm>
+      </p:grpSpPr>
+      <p:pic>
+        <p:nvPicPr>
+          <p:cNvPr id="3" name="Picture 2">
+            <a:extLst>
+              <a:ext uri="{FF2B5EF4-FFF2-40B4-BE49-F238E27FC236}">
+                <a16:creationId xmlns:a16="http://schemas.microsoft.com/office/drawing/2014/main" id="{E01E2467-672F-4E08-9FE4-DBF28DA9263C}"/>
+              </a:ext>
+            </a:extLst>
+          </p:cNvPr>
+          <p:cNvPicPr>
+            <a:picLocks noChangeAspect="1"/>
+          </p:cNvPicPr>
+          <p:nvPr/>
+        </p:nvPicPr>
+        <p:blipFill rotWithShape="1">
+          <a:blip r:embed="rId2"/>
+          <a:srcRect t="45836" r="45326"/>
+          <a:stretch/>
+        </p:blipFill>
+        <p:spPr>
+          <a:xfrm>
+            <a:off x="0" y="4214191"/>
+            <a:ext cx="6665843" cy="3714578"/>
+          </a:xfrm>
+          <a:prstGeom prst="rect">
+            <a:avLst/>
+          </a:prstGeom>
+        </p:spPr>
+      </p:pic>
+    </p:spTree>
+    <p:extLst>
+      <p:ext uri="{BB962C8B-B14F-4D97-AF65-F5344CB8AC3E}">
+        <p14:creationId xmlns:p14="http://schemas.microsoft.com/office/powerpoint/2010/main" val="2198516134"/>
       </p:ext>
     </p:extLst>
   </p:cSld>
